--- a/lessons/Day5_supervised_unsupervised/C_LSA_supervised.pptx
+++ b/lessons/Day5_supervised_unsupervised/C_LSA_supervised.pptx
@@ -1054,7 +1054,7 @@
           <a:p>
             <a:fld id="{B0C0A60C-850A-4EA4-9C14-A8FE98B94505}" type="datetimeFigureOut">
               <a:rPr lang="en-US" smtClean="0"/>
-              <a:t>6/9/24</a:t>
+              <a:t>6/14/24</a:t>
             </a:fld>
             <a:endParaRPr lang="en-US"/>
           </a:p>
@@ -1537,7 +1537,7 @@
           <a:p>
             <a:fld id="{5738B90E-0779-4C36-915C-6F05FCD89456}" type="datetime1">
               <a:rPr lang="en-US" smtClean="0"/>
-              <a:t>6/9/24</a:t>
+              <a:t>6/14/24</a:t>
             </a:fld>
             <a:endParaRPr lang="en-US"/>
           </a:p>
@@ -1734,7 +1734,7 @@
           <a:p>
             <a:fld id="{7B9EA29D-D431-42FE-B7B6-AAE4454C77D3}" type="datetime1">
               <a:rPr lang="en-US" smtClean="0"/>
-              <a:t>6/9/24</a:t>
+              <a:t>6/14/24</a:t>
             </a:fld>
             <a:endParaRPr lang="en-US"/>
           </a:p>
@@ -2089,7 +2089,7 @@
           <a:p>
             <a:fld id="{690D8A1E-EA8F-46C1-B891-AE0C00D9C314}" type="datetime1">
               <a:rPr lang="en-US" smtClean="0"/>
-              <a:t>6/9/24</a:t>
+              <a:t>6/14/24</a:t>
             </a:fld>
             <a:endParaRPr lang="en-US"/>
           </a:p>
@@ -2397,7 +2397,7 @@
           <a:p>
             <a:fld id="{D753EFC8-4232-4598-94F6-94C0EBAFC469}" type="datetime1">
               <a:rPr lang="en-US" smtClean="0"/>
-              <a:t>6/9/24</a:t>
+              <a:t>6/14/24</a:t>
             </a:fld>
             <a:endParaRPr lang="en-US"/>
           </a:p>
@@ -2726,7 +2726,7 @@
           <a:p>
             <a:fld id="{F3161074-1C18-4AE7-957D-F18524378C85}" type="datetime1">
               <a:rPr lang="en-US" smtClean="0"/>
-              <a:t>6/9/24</a:t>
+              <a:t>6/14/24</a:t>
             </a:fld>
             <a:endParaRPr lang="en-US"/>
           </a:p>
@@ -2979,7 +2979,7 @@
           <a:p>
             <a:fld id="{69BE256C-8D9A-4404-B47D-41A1AE514425}" type="datetime1">
               <a:rPr lang="en-US" smtClean="0"/>
-              <a:t>6/9/24</a:t>
+              <a:t>6/14/24</a:t>
             </a:fld>
             <a:endParaRPr lang="en-US"/>
           </a:p>
@@ -3427,7 +3427,7 @@
           <a:p>
             <a:fld id="{66CB2154-9035-4012-8189-BAAB61C5A5EE}" type="datetime1">
               <a:rPr lang="en-US" smtClean="0"/>
-              <a:t>6/9/24</a:t>
+              <a:t>6/14/24</a:t>
             </a:fld>
             <a:endParaRPr lang="en-US"/>
           </a:p>
@@ -3615,7 +3615,7 @@
           <a:p>
             <a:fld id="{6700A58B-DD98-43D0-B791-721480A02982}" type="datetime1">
               <a:rPr lang="en-US" smtClean="0"/>
-              <a:t>6/9/24</a:t>
+              <a:t>6/14/24</a:t>
             </a:fld>
             <a:endParaRPr lang="en-US"/>
           </a:p>
@@ -3821,7 +3821,7 @@
           <a:p>
             <a:fld id="{7DB6E382-4F61-4E24-BE1A-377EC83D0E3A}" type="datetime1">
               <a:rPr lang="en-US" smtClean="0"/>
-              <a:t>6/9/24</a:t>
+              <a:t>6/14/24</a:t>
             </a:fld>
             <a:endParaRPr lang="en-US"/>
           </a:p>
@@ -4227,7 +4227,7 @@
           <a:p>
             <a:fld id="{4142EED6-FC16-45B9-B8C4-2BC5DBA88325}" type="datetime1">
               <a:rPr lang="en-US" smtClean="0"/>
-              <a:t>6/9/24</a:t>
+              <a:t>6/14/24</a:t>
             </a:fld>
             <a:endParaRPr lang="en-US"/>
           </a:p>
@@ -4559,7 +4559,7 @@
           <a:p>
             <a:fld id="{DF59512B-4F1D-43D7-8819-2F53FEF69650}" type="datetime1">
               <a:rPr lang="en-US" smtClean="0"/>
-              <a:t>6/9/24</a:t>
+              <a:t>6/14/24</a:t>
             </a:fld>
             <a:endParaRPr lang="en-US"/>
           </a:p>
@@ -4849,7 +4849,7 @@
           <a:p>
             <a:fld id="{08437B94-E2BF-44DC-ADC5-B05FC9934E9D}" type="datetime1">
               <a:rPr lang="en-US" smtClean="0"/>
-              <a:t>6/9/24</a:t>
+              <a:t>6/14/24</a:t>
             </a:fld>
             <a:endParaRPr lang="en-US"/>
           </a:p>
@@ -5288,7 +5288,7 @@
           <a:p>
             <a:fld id="{6700A58B-DD98-43D0-B791-721480A02982}" type="datetime1">
               <a:rPr lang="en-US" smtClean="0"/>
-              <a:t>6/9/24</a:t>
+              <a:t>6/14/24</a:t>
             </a:fld>
             <a:endParaRPr lang="en-US"/>
           </a:p>
@@ -5596,7 +5596,7 @@
           <a:p>
             <a:fld id="{6700A58B-DD98-43D0-B791-721480A02982}" type="datetime1">
               <a:rPr lang="en-US" smtClean="0"/>
-              <a:t>6/9/24</a:t>
+              <a:t>6/14/24</a:t>
             </a:fld>
             <a:endParaRPr lang="en-US"/>
           </a:p>
@@ -6754,7 +6754,7 @@
           <a:p>
             <a:fld id="{6700A58B-DD98-43D0-B791-721480A02982}" type="datetime1">
               <a:rPr lang="en-US" smtClean="0"/>
-              <a:t>6/9/24</a:t>
+              <a:t>6/14/24</a:t>
             </a:fld>
             <a:endParaRPr lang="en-US"/>
           </a:p>
@@ -8214,7 +8214,7 @@
           <a:p>
             <a:fld id="{6700A58B-DD98-43D0-B791-721480A02982}" type="datetime1">
               <a:rPr lang="en-US" smtClean="0"/>
-              <a:t>6/9/24</a:t>
+              <a:t>6/14/24</a:t>
             </a:fld>
             <a:endParaRPr lang="en-US"/>
           </a:p>
@@ -8996,7 +8996,7 @@
           <a:p>
             <a:fld id="{6700A58B-DD98-43D0-B791-721480A02982}" type="datetime1">
               <a:rPr lang="en-US" smtClean="0"/>
-              <a:t>6/9/24</a:t>
+              <a:t>6/14/24</a:t>
             </a:fld>
             <a:endParaRPr lang="en-US"/>
           </a:p>
@@ -9928,7 +9928,7 @@
           <a:p>
             <a:fld id="{6700A58B-DD98-43D0-B791-721480A02982}" type="datetime1">
               <a:rPr lang="en-US" smtClean="0"/>
-              <a:t>6/9/24</a:t>
+              <a:t>6/14/24</a:t>
             </a:fld>
             <a:endParaRPr lang="en-US"/>
           </a:p>
@@ -10611,7 +10611,7 @@
           <a:p>
             <a:fld id="{6700A58B-DD98-43D0-B791-721480A02982}" type="datetime1">
               <a:rPr lang="en-US" smtClean="0"/>
-              <a:t>6/9/24</a:t>
+              <a:t>6/14/24</a:t>
             </a:fld>
             <a:endParaRPr lang="en-US"/>
           </a:p>
@@ -10839,7 +10839,7 @@
           <a:p>
             <a:fld id="{6700A58B-DD98-43D0-B791-721480A02982}" type="datetime1">
               <a:rPr lang="en-US" smtClean="0"/>
-              <a:t>6/9/24</a:t>
+              <a:t>6/14/24</a:t>
             </a:fld>
             <a:endParaRPr lang="en-US"/>
           </a:p>
@@ -12749,7 +12749,7 @@
           <a:p>
             <a:fld id="{6700A58B-DD98-43D0-B791-721480A02982}" type="datetime1">
               <a:rPr lang="en-US" smtClean="0"/>
-              <a:t>6/9/24</a:t>
+              <a:t>6/14/24</a:t>
             </a:fld>
             <a:endParaRPr lang="en-US"/>
           </a:p>
@@ -14006,7 +14006,7 @@
           <a:p>
             <a:fld id="{6700A58B-DD98-43D0-B791-721480A02982}" type="datetime1">
               <a:rPr lang="en-US" smtClean="0"/>
-              <a:t>6/9/24</a:t>
+              <a:t>6/14/24</a:t>
             </a:fld>
             <a:endParaRPr lang="en-US"/>
           </a:p>
@@ -14193,7 +14193,7 @@
           <a:p>
             <a:fld id="{6700A58B-DD98-43D0-B791-721480A02982}" type="datetime1">
               <a:rPr lang="en-US" smtClean="0"/>
-              <a:t>6/9/24</a:t>
+              <a:t>6/14/24</a:t>
             </a:fld>
             <a:endParaRPr lang="en-US"/>
           </a:p>
@@ -14226,7 +14226,7 @@
             </a:r>
             <a:r>
               <a:rPr lang="en-US" dirty="0" err="1"/>
-              <a:t>E_lsa_for</a:t>
+              <a:t>F_lsa_for</a:t>
             </a:r>
             <a:r>
               <a:rPr lang="en-US" dirty="0"/>
@@ -14438,7 +14438,7 @@
           <a:p>
             <a:fld id="{6700A58B-DD98-43D0-B791-721480A02982}" type="datetime1">
               <a:rPr lang="en-US" smtClean="0"/>
-              <a:t>6/9/24</a:t>
+              <a:t>6/14/24</a:t>
             </a:fld>
             <a:endParaRPr lang="en-US"/>
           </a:p>
@@ -15436,7 +15436,7 @@
           <a:p>
             <a:fld id="{6700A58B-DD98-43D0-B791-721480A02982}" type="datetime1">
               <a:rPr lang="en-US" smtClean="0"/>
-              <a:t>6/9/24</a:t>
+              <a:t>6/14/24</a:t>
             </a:fld>
             <a:endParaRPr lang="en-US"/>
           </a:p>
@@ -16057,7 +16057,7 @@
           <a:p>
             <a:fld id="{6700A58B-DD98-43D0-B791-721480A02982}" type="datetime1">
               <a:rPr lang="en-US" smtClean="0"/>
-              <a:t>6/9/24</a:t>
+              <a:t>6/14/24</a:t>
             </a:fld>
             <a:endParaRPr lang="en-US"/>
           </a:p>
@@ -16837,7 +16837,7 @@
           <a:p>
             <a:fld id="{6700A58B-DD98-43D0-B791-721480A02982}" type="datetime1">
               <a:rPr lang="en-US" smtClean="0"/>
-              <a:t>6/9/24</a:t>
+              <a:t>6/14/24</a:t>
             </a:fld>
             <a:endParaRPr lang="en-US"/>
           </a:p>
@@ -17552,7 +17552,7 @@
           <a:p>
             <a:fld id="{6700A58B-DD98-43D0-B791-721480A02982}" type="datetime1">
               <a:rPr lang="en-US" smtClean="0"/>
-              <a:t>6/9/24</a:t>
+              <a:t>6/14/24</a:t>
             </a:fld>
             <a:endParaRPr lang="en-US"/>
           </a:p>
@@ -18659,7 +18659,7 @@
           <a:p>
             <a:fld id="{6700A58B-DD98-43D0-B791-721480A02982}" type="datetime1">
               <a:rPr lang="en-US" smtClean="0"/>
-              <a:t>6/9/24</a:t>
+              <a:t>6/14/24</a:t>
             </a:fld>
             <a:endParaRPr lang="en-US"/>
           </a:p>
@@ -19890,7 +19890,7 @@
           <a:p>
             <a:fld id="{6700A58B-DD98-43D0-B791-721480A02982}" type="datetime1">
               <a:rPr lang="en-US" smtClean="0"/>
-              <a:t>6/9/24</a:t>
+              <a:t>6/14/24</a:t>
             </a:fld>
             <a:endParaRPr lang="en-US"/>
           </a:p>
@@ -20733,7 +20733,7 @@
           <a:p>
             <a:fld id="{6700A58B-DD98-43D0-B791-721480A02982}" type="datetime1">
               <a:rPr lang="en-US" smtClean="0"/>
-              <a:t>6/9/24</a:t>
+              <a:t>6/14/24</a:t>
             </a:fld>
             <a:endParaRPr lang="en-US"/>
           </a:p>
